--- a/supportingfiles/Diagrams.pptx
+++ b/supportingfiles/Diagrams.pptx
@@ -106,6 +106,11 @@
       </a:defRPr>
     </a:lvl9pPr>
   </p:defaultTextStyle>
+  <p:extLst>
+    <p:ext uri="{EFAFB233-063F-42B5-8137-9DF3F51BA10A}">
+      <p15:sldGuideLst xmlns:p15="http://schemas.microsoft.com/office/powerpoint/2012/main"/>
+    </p:ext>
+  </p:extLst>
 </p:presentation>
 </file>
 
@@ -4193,7 +4198,7 @@
             <a:pPr algn="ctr"/>
             <a:r>
               <a:rPr lang="en-AU" sz="1200" b="1" dirty="0"/>
-              <a:t>Accelerate your transition plan</a:t>
+              <a:t>Accelerate your transition plan with a pre-built framework!!</a:t>
             </a:r>
           </a:p>
         </p:txBody>
@@ -4284,6 +4289,104 @@
           </a:prstGeom>
         </p:spPr>
       </p:pic>
+      <p:sp>
+        <p:nvSpPr>
+          <p:cNvPr id="2" name="Rectangle 1">
+            <a:extLst>
+              <a:ext uri="{FF2B5EF4-FFF2-40B4-BE49-F238E27FC236}">
+                <a16:creationId xmlns:a16="http://schemas.microsoft.com/office/drawing/2014/main" id="{4E9D6818-A734-4A33-B649-713D8E12D2B9}"/>
+              </a:ext>
+            </a:extLst>
+          </p:cNvPr>
+          <p:cNvSpPr/>
+          <p:nvPr/>
+        </p:nvSpPr>
+        <p:spPr>
+          <a:xfrm>
+            <a:off x="1359561" y="4778904"/>
+            <a:ext cx="1812264" cy="853527"/>
+          </a:xfrm>
+          <a:prstGeom prst="rect">
+            <a:avLst/>
+          </a:prstGeom>
+          <a:ln>
+            <a:noFill/>
+          </a:ln>
+        </p:spPr>
+        <p:style>
+          <a:lnRef idx="2">
+            <a:schemeClr val="accent5"/>
+          </a:lnRef>
+          <a:fillRef idx="1">
+            <a:schemeClr val="lt1"/>
+          </a:fillRef>
+          <a:effectRef idx="0">
+            <a:schemeClr val="accent5"/>
+          </a:effectRef>
+          <a:fontRef idx="minor">
+            <a:schemeClr val="dk1"/>
+          </a:fontRef>
+        </p:style>
+        <p:txBody>
+          <a:bodyPr rtlCol="0" anchor="ctr"/>
+          <a:lstStyle/>
+          <a:p>
+            <a:pPr algn="ctr"/>
+            <a:r>
+              <a:rPr lang="en-AU" sz="1200" b="1" dirty="0">
+                <a:solidFill>
+                  <a:schemeClr val="accent1"/>
+                </a:solidFill>
+              </a:rPr>
+              <a:t>Azure Data Services Go Fast Framework</a:t>
+            </a:r>
+          </a:p>
+        </p:txBody>
+      </p:sp>
+      <p:sp>
+        <p:nvSpPr>
+          <p:cNvPr id="4" name="Left Bracket 3">
+            <a:extLst>
+              <a:ext uri="{FF2B5EF4-FFF2-40B4-BE49-F238E27FC236}">
+                <a16:creationId xmlns:a16="http://schemas.microsoft.com/office/drawing/2014/main" id="{E6E16D8E-E0F3-4DE6-B81F-765B026BF006}"/>
+              </a:ext>
+            </a:extLst>
+          </p:cNvPr>
+          <p:cNvSpPr/>
+          <p:nvPr/>
+        </p:nvSpPr>
+        <p:spPr>
+          <a:xfrm>
+            <a:off x="3171825" y="4523360"/>
+            <a:ext cx="302287" cy="1379663"/>
+          </a:xfrm>
+          <a:prstGeom prst="leftBracket">
+            <a:avLst/>
+          </a:prstGeom>
+        </p:spPr>
+        <p:style>
+          <a:lnRef idx="1">
+            <a:schemeClr val="accent1"/>
+          </a:lnRef>
+          <a:fillRef idx="0">
+            <a:schemeClr val="accent1"/>
+          </a:fillRef>
+          <a:effectRef idx="0">
+            <a:schemeClr val="accent1"/>
+          </a:effectRef>
+          <a:fontRef idx="minor">
+            <a:schemeClr val="tx1"/>
+          </a:fontRef>
+        </p:style>
+        <p:txBody>
+          <a:bodyPr rtlCol="0" anchor="ctr"/>
+          <a:lstStyle/>
+          <a:p>
+            <a:pPr algn="ctr"/>
+            <a:endParaRPr lang="en-AU"/>
+          </a:p>
+        </p:txBody>
+      </p:sp>
     </p:spTree>
     <p:extLst>
       <p:ext uri="{BB962C8B-B14F-4D97-AF65-F5344CB8AC3E}">
